--- a/CodesHY/Scripts/fig/Paradigm/Paradigm.pptx
+++ b/CodesHY/Scripts/fig/Paradigm/Paradigm.pptx
@@ -291,7 +291,7 @@
           <a:p>
             <a:fld id="{B0D01DE4-4DDA-41E6-BA60-68AC6DB048CA}" type="datetimeFigureOut">
               <a:rPr lang="zh-CN" altLang="en-US" smtClean="0"/>
-              <a:t>2022/4/20</a:t>
+              <a:t>2022/4/29</a:t>
             </a:fld>
             <a:endParaRPr lang="zh-CN" altLang="en-US"/>
           </a:p>
@@ -489,7 +489,7 @@
           <a:p>
             <a:fld id="{B0D01DE4-4DDA-41E6-BA60-68AC6DB048CA}" type="datetimeFigureOut">
               <a:rPr lang="zh-CN" altLang="en-US" smtClean="0"/>
-              <a:t>2022/4/20</a:t>
+              <a:t>2022/4/29</a:t>
             </a:fld>
             <a:endParaRPr lang="zh-CN" altLang="en-US"/>
           </a:p>
@@ -697,7 +697,7 @@
           <a:p>
             <a:fld id="{B0D01DE4-4DDA-41E6-BA60-68AC6DB048CA}" type="datetimeFigureOut">
               <a:rPr lang="zh-CN" altLang="en-US" smtClean="0"/>
-              <a:t>2022/4/20</a:t>
+              <a:t>2022/4/29</a:t>
             </a:fld>
             <a:endParaRPr lang="zh-CN" altLang="en-US"/>
           </a:p>
@@ -895,7 +895,7 @@
           <a:p>
             <a:fld id="{B0D01DE4-4DDA-41E6-BA60-68AC6DB048CA}" type="datetimeFigureOut">
               <a:rPr lang="zh-CN" altLang="en-US" smtClean="0"/>
-              <a:t>2022/4/20</a:t>
+              <a:t>2022/4/29</a:t>
             </a:fld>
             <a:endParaRPr lang="zh-CN" altLang="en-US"/>
           </a:p>
@@ -1170,7 +1170,7 @@
           <a:p>
             <a:fld id="{B0D01DE4-4DDA-41E6-BA60-68AC6DB048CA}" type="datetimeFigureOut">
               <a:rPr lang="zh-CN" altLang="en-US" smtClean="0"/>
-              <a:t>2022/4/20</a:t>
+              <a:t>2022/4/29</a:t>
             </a:fld>
             <a:endParaRPr lang="zh-CN" altLang="en-US"/>
           </a:p>
@@ -1435,7 +1435,7 @@
           <a:p>
             <a:fld id="{B0D01DE4-4DDA-41E6-BA60-68AC6DB048CA}" type="datetimeFigureOut">
               <a:rPr lang="zh-CN" altLang="en-US" smtClean="0"/>
-              <a:t>2022/4/20</a:t>
+              <a:t>2022/4/29</a:t>
             </a:fld>
             <a:endParaRPr lang="zh-CN" altLang="en-US"/>
           </a:p>
@@ -1847,7 +1847,7 @@
           <a:p>
             <a:fld id="{B0D01DE4-4DDA-41E6-BA60-68AC6DB048CA}" type="datetimeFigureOut">
               <a:rPr lang="zh-CN" altLang="en-US" smtClean="0"/>
-              <a:t>2022/4/20</a:t>
+              <a:t>2022/4/29</a:t>
             </a:fld>
             <a:endParaRPr lang="zh-CN" altLang="en-US"/>
           </a:p>
@@ -1988,7 +1988,7 @@
           <a:p>
             <a:fld id="{B0D01DE4-4DDA-41E6-BA60-68AC6DB048CA}" type="datetimeFigureOut">
               <a:rPr lang="zh-CN" altLang="en-US" smtClean="0"/>
-              <a:t>2022/4/20</a:t>
+              <a:t>2022/4/29</a:t>
             </a:fld>
             <a:endParaRPr lang="zh-CN" altLang="en-US"/>
           </a:p>
@@ -2101,7 +2101,7 @@
           <a:p>
             <a:fld id="{B0D01DE4-4DDA-41E6-BA60-68AC6DB048CA}" type="datetimeFigureOut">
               <a:rPr lang="zh-CN" altLang="en-US" smtClean="0"/>
-              <a:t>2022/4/20</a:t>
+              <a:t>2022/4/29</a:t>
             </a:fld>
             <a:endParaRPr lang="zh-CN" altLang="en-US"/>
           </a:p>
@@ -2412,7 +2412,7 @@
           <a:p>
             <a:fld id="{B0D01DE4-4DDA-41E6-BA60-68AC6DB048CA}" type="datetimeFigureOut">
               <a:rPr lang="zh-CN" altLang="en-US" smtClean="0"/>
-              <a:t>2022/4/20</a:t>
+              <a:t>2022/4/29</a:t>
             </a:fld>
             <a:endParaRPr lang="zh-CN" altLang="en-US"/>
           </a:p>
@@ -2700,7 +2700,7 @@
           <a:p>
             <a:fld id="{B0D01DE4-4DDA-41E6-BA60-68AC6DB048CA}" type="datetimeFigureOut">
               <a:rPr lang="zh-CN" altLang="en-US" smtClean="0"/>
-              <a:t>2022/4/20</a:t>
+              <a:t>2022/4/29</a:t>
             </a:fld>
             <a:endParaRPr lang="zh-CN" altLang="en-US"/>
           </a:p>
@@ -2941,7 +2941,7 @@
           <a:p>
             <a:fld id="{B0D01DE4-4DDA-41E6-BA60-68AC6DB048CA}" type="datetimeFigureOut">
               <a:rPr lang="zh-CN" altLang="en-US" smtClean="0"/>
-              <a:t>2022/4/20</a:t>
+              <a:t>2022/4/29</a:t>
             </a:fld>
             <a:endParaRPr lang="zh-CN" altLang="en-US"/>
           </a:p>
@@ -4038,6 +4038,92 @@
           </a:prstGeom>
         </p:spPr>
       </p:pic>
+      <p:sp>
+        <p:nvSpPr>
+          <p:cNvPr id="22" name="文本框 21">
+            <a:extLst>
+              <a:ext uri="{FF2B5EF4-FFF2-40B4-BE49-F238E27FC236}">
+                <a16:creationId xmlns:a16="http://schemas.microsoft.com/office/drawing/2014/main" id="{FFD17780-8A23-4AE2-A559-5AA23132EA09}"/>
+              </a:ext>
+            </a:extLst>
+          </p:cNvPr>
+          <p:cNvSpPr txBox="1"/>
+          <p:nvPr/>
+        </p:nvSpPr>
+        <p:spPr>
+          <a:xfrm>
+            <a:off x="0" y="388157"/>
+            <a:ext cx="460550" cy="584775"/>
+          </a:xfrm>
+          <a:prstGeom prst="rect">
+            <a:avLst/>
+          </a:prstGeom>
+          <a:noFill/>
+        </p:spPr>
+        <p:txBody>
+          <a:bodyPr wrap="square" rtlCol="0">
+            <a:spAutoFit/>
+          </a:bodyPr>
+          <a:lstStyle/>
+          <a:p>
+            <a:pPr algn="ctr"/>
+            <a:r>
+              <a:rPr lang="en-US" altLang="zh-CN" sz="3200" dirty="0">
+                <a:latin typeface="Arial" panose="020B0604020202020204" pitchFamily="34" charset="0"/>
+                <a:cs typeface="Arial" panose="020B0604020202020204" pitchFamily="34" charset="0"/>
+              </a:rPr>
+              <a:t>A</a:t>
+            </a:r>
+            <a:endParaRPr lang="zh-CN" altLang="en-US" sz="3200" dirty="0">
+              <a:latin typeface="Arial" panose="020B0604020202020204" pitchFamily="34" charset="0"/>
+              <a:cs typeface="Arial" panose="020B0604020202020204" pitchFamily="34" charset="0"/>
+            </a:endParaRPr>
+          </a:p>
+        </p:txBody>
+      </p:sp>
+      <p:sp>
+        <p:nvSpPr>
+          <p:cNvPr id="23" name="文本框 22">
+            <a:extLst>
+              <a:ext uri="{FF2B5EF4-FFF2-40B4-BE49-F238E27FC236}">
+                <a16:creationId xmlns:a16="http://schemas.microsoft.com/office/drawing/2014/main" id="{75DDEC0E-439F-4EE9-AA46-623A9C144636}"/>
+              </a:ext>
+            </a:extLst>
+          </p:cNvPr>
+          <p:cNvSpPr txBox="1"/>
+          <p:nvPr/>
+        </p:nvSpPr>
+        <p:spPr>
+          <a:xfrm>
+            <a:off x="6096000" y="388157"/>
+            <a:ext cx="460550" cy="584775"/>
+          </a:xfrm>
+          <a:prstGeom prst="rect">
+            <a:avLst/>
+          </a:prstGeom>
+          <a:noFill/>
+        </p:spPr>
+        <p:txBody>
+          <a:bodyPr wrap="square" rtlCol="0">
+            <a:spAutoFit/>
+          </a:bodyPr>
+          <a:lstStyle/>
+          <a:p>
+            <a:pPr algn="ctr"/>
+            <a:r>
+              <a:rPr lang="en-US" altLang="zh-CN" sz="3200" dirty="0">
+                <a:latin typeface="Arial" panose="020B0604020202020204" pitchFamily="34" charset="0"/>
+                <a:cs typeface="Arial" panose="020B0604020202020204" pitchFamily="34" charset="0"/>
+              </a:rPr>
+              <a:t>B</a:t>
+            </a:r>
+            <a:endParaRPr lang="zh-CN" altLang="en-US" sz="3200" dirty="0">
+              <a:latin typeface="Arial" panose="020B0604020202020204" pitchFamily="34" charset="0"/>
+              <a:cs typeface="Arial" panose="020B0604020202020204" pitchFamily="34" charset="0"/>
+            </a:endParaRPr>
+          </a:p>
+        </p:txBody>
+      </p:sp>
     </p:spTree>
     <p:extLst>
       <p:ext uri="{BB962C8B-B14F-4D97-AF65-F5344CB8AC3E}">
@@ -4702,6 +4788,92 @@
           </a:prstGeom>
         </p:spPr>
       </p:pic>
+      <p:sp>
+        <p:nvSpPr>
+          <p:cNvPr id="23" name="文本框 22">
+            <a:extLst>
+              <a:ext uri="{FF2B5EF4-FFF2-40B4-BE49-F238E27FC236}">
+                <a16:creationId xmlns:a16="http://schemas.microsoft.com/office/drawing/2014/main" id="{793D93FD-A174-49F1-AA1B-38C33D2D974A}"/>
+              </a:ext>
+            </a:extLst>
+          </p:cNvPr>
+          <p:cNvSpPr txBox="1"/>
+          <p:nvPr/>
+        </p:nvSpPr>
+        <p:spPr>
+          <a:xfrm>
+            <a:off x="0" y="388157"/>
+            <a:ext cx="460550" cy="584775"/>
+          </a:xfrm>
+          <a:prstGeom prst="rect">
+            <a:avLst/>
+          </a:prstGeom>
+          <a:noFill/>
+        </p:spPr>
+        <p:txBody>
+          <a:bodyPr wrap="square" rtlCol="0">
+            <a:spAutoFit/>
+          </a:bodyPr>
+          <a:lstStyle/>
+          <a:p>
+            <a:pPr algn="ctr"/>
+            <a:r>
+              <a:rPr lang="en-US" altLang="zh-CN" sz="3200" dirty="0">
+                <a:latin typeface="Arial" panose="020B0604020202020204" pitchFamily="34" charset="0"/>
+                <a:cs typeface="Arial" panose="020B0604020202020204" pitchFamily="34" charset="0"/>
+              </a:rPr>
+              <a:t>A</a:t>
+            </a:r>
+            <a:endParaRPr lang="zh-CN" altLang="en-US" sz="3200" dirty="0">
+              <a:latin typeface="Arial" panose="020B0604020202020204" pitchFamily="34" charset="0"/>
+              <a:cs typeface="Arial" panose="020B0604020202020204" pitchFamily="34" charset="0"/>
+            </a:endParaRPr>
+          </a:p>
+        </p:txBody>
+      </p:sp>
+      <p:sp>
+        <p:nvSpPr>
+          <p:cNvPr id="24" name="文本框 23">
+            <a:extLst>
+              <a:ext uri="{FF2B5EF4-FFF2-40B4-BE49-F238E27FC236}">
+                <a16:creationId xmlns:a16="http://schemas.microsoft.com/office/drawing/2014/main" id="{B76D8093-B226-4CD6-8CE8-2C0963302242}"/>
+              </a:ext>
+            </a:extLst>
+          </p:cNvPr>
+          <p:cNvSpPr txBox="1"/>
+          <p:nvPr/>
+        </p:nvSpPr>
+        <p:spPr>
+          <a:xfrm>
+            <a:off x="6096000" y="388157"/>
+            <a:ext cx="460550" cy="584775"/>
+          </a:xfrm>
+          <a:prstGeom prst="rect">
+            <a:avLst/>
+          </a:prstGeom>
+          <a:noFill/>
+        </p:spPr>
+        <p:txBody>
+          <a:bodyPr wrap="square" rtlCol="0">
+            <a:spAutoFit/>
+          </a:bodyPr>
+          <a:lstStyle/>
+          <a:p>
+            <a:pPr algn="ctr"/>
+            <a:r>
+              <a:rPr lang="en-US" altLang="zh-CN" sz="3200" dirty="0">
+                <a:latin typeface="Arial" panose="020B0604020202020204" pitchFamily="34" charset="0"/>
+                <a:cs typeface="Arial" panose="020B0604020202020204" pitchFamily="34" charset="0"/>
+              </a:rPr>
+              <a:t>B</a:t>
+            </a:r>
+            <a:endParaRPr lang="zh-CN" altLang="en-US" sz="3200" dirty="0">
+              <a:latin typeface="Arial" panose="020B0604020202020204" pitchFamily="34" charset="0"/>
+              <a:cs typeface="Arial" panose="020B0604020202020204" pitchFamily="34" charset="0"/>
+            </a:endParaRPr>
+          </a:p>
+        </p:txBody>
+      </p:sp>
     </p:spTree>
     <p:extLst>
       <p:ext uri="{BB962C8B-B14F-4D97-AF65-F5344CB8AC3E}">

--- a/CodesHY/Scripts/fig/Paradigm/Paradigm.pptx
+++ b/CodesHY/Scripts/fig/Paradigm/Paradigm.pptx
@@ -291,7 +291,7 @@
           <a:p>
             <a:fld id="{B0D01DE4-4DDA-41E6-BA60-68AC6DB048CA}" type="datetimeFigureOut">
               <a:rPr lang="zh-CN" altLang="en-US" smtClean="0"/>
-              <a:t>2022/4/29</a:t>
+              <a:t>2022/5/19</a:t>
             </a:fld>
             <a:endParaRPr lang="zh-CN" altLang="en-US"/>
           </a:p>
@@ -489,7 +489,7 @@
           <a:p>
             <a:fld id="{B0D01DE4-4DDA-41E6-BA60-68AC6DB048CA}" type="datetimeFigureOut">
               <a:rPr lang="zh-CN" altLang="en-US" smtClean="0"/>
-              <a:t>2022/4/29</a:t>
+              <a:t>2022/5/19</a:t>
             </a:fld>
             <a:endParaRPr lang="zh-CN" altLang="en-US"/>
           </a:p>
@@ -697,7 +697,7 @@
           <a:p>
             <a:fld id="{B0D01DE4-4DDA-41E6-BA60-68AC6DB048CA}" type="datetimeFigureOut">
               <a:rPr lang="zh-CN" altLang="en-US" smtClean="0"/>
-              <a:t>2022/4/29</a:t>
+              <a:t>2022/5/19</a:t>
             </a:fld>
             <a:endParaRPr lang="zh-CN" altLang="en-US"/>
           </a:p>
@@ -895,7 +895,7 @@
           <a:p>
             <a:fld id="{B0D01DE4-4DDA-41E6-BA60-68AC6DB048CA}" type="datetimeFigureOut">
               <a:rPr lang="zh-CN" altLang="en-US" smtClean="0"/>
-              <a:t>2022/4/29</a:t>
+              <a:t>2022/5/19</a:t>
             </a:fld>
             <a:endParaRPr lang="zh-CN" altLang="en-US"/>
           </a:p>
@@ -1170,7 +1170,7 @@
           <a:p>
             <a:fld id="{B0D01DE4-4DDA-41E6-BA60-68AC6DB048CA}" type="datetimeFigureOut">
               <a:rPr lang="zh-CN" altLang="en-US" smtClean="0"/>
-              <a:t>2022/4/29</a:t>
+              <a:t>2022/5/19</a:t>
             </a:fld>
             <a:endParaRPr lang="zh-CN" altLang="en-US"/>
           </a:p>
@@ -1435,7 +1435,7 @@
           <a:p>
             <a:fld id="{B0D01DE4-4DDA-41E6-BA60-68AC6DB048CA}" type="datetimeFigureOut">
               <a:rPr lang="zh-CN" altLang="en-US" smtClean="0"/>
-              <a:t>2022/4/29</a:t>
+              <a:t>2022/5/19</a:t>
             </a:fld>
             <a:endParaRPr lang="zh-CN" altLang="en-US"/>
           </a:p>
@@ -1847,7 +1847,7 @@
           <a:p>
             <a:fld id="{B0D01DE4-4DDA-41E6-BA60-68AC6DB048CA}" type="datetimeFigureOut">
               <a:rPr lang="zh-CN" altLang="en-US" smtClean="0"/>
-              <a:t>2022/4/29</a:t>
+              <a:t>2022/5/19</a:t>
             </a:fld>
             <a:endParaRPr lang="zh-CN" altLang="en-US"/>
           </a:p>
@@ -1988,7 +1988,7 @@
           <a:p>
             <a:fld id="{B0D01DE4-4DDA-41E6-BA60-68AC6DB048CA}" type="datetimeFigureOut">
               <a:rPr lang="zh-CN" altLang="en-US" smtClean="0"/>
-              <a:t>2022/4/29</a:t>
+              <a:t>2022/5/19</a:t>
             </a:fld>
             <a:endParaRPr lang="zh-CN" altLang="en-US"/>
           </a:p>
@@ -2101,7 +2101,7 @@
           <a:p>
             <a:fld id="{B0D01DE4-4DDA-41E6-BA60-68AC6DB048CA}" type="datetimeFigureOut">
               <a:rPr lang="zh-CN" altLang="en-US" smtClean="0"/>
-              <a:t>2022/4/29</a:t>
+              <a:t>2022/5/19</a:t>
             </a:fld>
             <a:endParaRPr lang="zh-CN" altLang="en-US"/>
           </a:p>
@@ -2412,7 +2412,7 @@
           <a:p>
             <a:fld id="{B0D01DE4-4DDA-41E6-BA60-68AC6DB048CA}" type="datetimeFigureOut">
               <a:rPr lang="zh-CN" altLang="en-US" smtClean="0"/>
-              <a:t>2022/4/29</a:t>
+              <a:t>2022/5/19</a:t>
             </a:fld>
             <a:endParaRPr lang="zh-CN" altLang="en-US"/>
           </a:p>
@@ -2700,7 +2700,7 @@
           <a:p>
             <a:fld id="{B0D01DE4-4DDA-41E6-BA60-68AC6DB048CA}" type="datetimeFigureOut">
               <a:rPr lang="zh-CN" altLang="en-US" smtClean="0"/>
-              <a:t>2022/4/29</a:t>
+              <a:t>2022/5/19</a:t>
             </a:fld>
             <a:endParaRPr lang="zh-CN" altLang="en-US"/>
           </a:p>
@@ -2941,7 +2941,7 @@
           <a:p>
             <a:fld id="{B0D01DE4-4DDA-41E6-BA60-68AC6DB048CA}" type="datetimeFigureOut">
               <a:rPr lang="zh-CN" altLang="en-US" smtClean="0"/>
-              <a:t>2022/4/29</a:t>
+              <a:t>2022/5/19</a:t>
             </a:fld>
             <a:endParaRPr lang="zh-CN" altLang="en-US"/>
           </a:p>
@@ -4443,7 +4443,7 @@
                   <a:schemeClr val="bg1"/>
                 </a:solidFill>
               </a:rPr>
-              <a:t>信号</a:t>
+              <a:t>触发信号</a:t>
             </a:r>
           </a:p>
         </p:txBody>
@@ -4544,7 +4544,7 @@
             <a:pPr algn="ctr"/>
             <a:r>
               <a:rPr lang="en-US" altLang="zh-CN" dirty="0"/>
-              <a:t>Foreperiod = 0.75s </a:t>
+              <a:t>Foreperiod = 0.75 s</a:t>
             </a:r>
             <a:r>
               <a:rPr lang="zh-CN" altLang="en-US" dirty="0"/>
@@ -4552,7 +4552,7 @@
             </a:r>
             <a:r>
               <a:rPr lang="en-US" altLang="zh-CN" dirty="0"/>
-              <a:t> 1.5s</a:t>
+              <a:t>1.5 s</a:t>
             </a:r>
             <a:endParaRPr lang="zh-CN" altLang="en-US" dirty="0"/>
           </a:p>
